--- a/1111/원형큐, 미래인재릴레이.pptx
+++ b/1111/원형큐, 미래인재릴레이.pptx
@@ -22,8 +22,9 @@
     <p:sldId id="307" r:id="rId19"/>
     <p:sldId id="308" r:id="rId20"/>
     <p:sldId id="309" r:id="rId21"/>
-    <p:sldId id="310" r:id="rId22"/>
-    <p:sldId id="281" r:id="rId23"/>
+    <p:sldId id="311" r:id="rId22"/>
+    <p:sldId id="310" r:id="rId23"/>
+    <p:sldId id="281" r:id="rId24"/>
   </p:sldIdLst>
   <p:sldSz cx="12192000" cy="6858000"/>
   <p:notesSz cx="6858000" cy="9144000"/>
@@ -144,6 +145,7 @@
             <p14:sldId id="307"/>
             <p14:sldId id="308"/>
             <p14:sldId id="309"/>
+            <p14:sldId id="311"/>
             <p14:sldId id="310"/>
           </p14:sldIdLst>
         </p14:section>
@@ -8418,34 +8420,30 @@
           <a:lstStyle/>
           <a:p>
             <a:r>
+              <a:rPr lang="en-US" altLang="ko-KR" dirty="0"/>
+              <a:t>Test Case</a:t>
+            </a:r>
+          </a:p>
+          <a:p>
+            <a:r>
               <a:rPr lang="ko-KR" altLang="en-US" dirty="0"/>
-              <a:t>문제풀이</a:t>
+              <a:t>입력</a:t>
             </a:r>
             <a:r>
               <a:rPr lang="en-US" altLang="ko-KR" dirty="0"/>
               <a:t>: </a:t>
             </a:r>
             <a:r>
-              <a:rPr lang="en-US" altLang="ko-KR" dirty="0">
-                <a:hlinkClick r:id="rId2"/>
-              </a:rPr>
-              <a:t>https://github.com/2021-2Tutoring/Algorithms</a:t>
+              <a:rPr lang="en-US" altLang="ko-KR" dirty="0" err="1"/>
+              <a:t>abcde</a:t>
             </a:r>
             <a:r>
               <a:rPr lang="en-US" altLang="ko-KR" dirty="0"/>
               <a:t> </a:t>
             </a:r>
             <a:r>
-              <a:rPr lang="ko-KR" altLang="en-US" dirty="0"/>
-              <a:t>의 </a:t>
-            </a:r>
-            <a:r>
-              <a:rPr lang="en-US" altLang="ko-KR" dirty="0"/>
-              <a:t>1111</a:t>
-            </a:r>
-            <a:r>
-              <a:rPr lang="ko-KR" altLang="en-US" dirty="0"/>
-              <a:t>폴더안에 소스코드</a:t>
+              <a:rPr lang="en-US" altLang="ko-KR" dirty="0" err="1"/>
+              <a:t>adc</a:t>
             </a:r>
             <a:r>
               <a:rPr lang="en-US" altLang="ko-KR" dirty="0"/>
@@ -8453,17 +8451,110 @@
             </a:r>
             <a:r>
               <a:rPr lang="ko-KR" altLang="en-US" dirty="0"/>
-              <a:t>제출</a:t>
+              <a:t>출력</a:t>
+            </a:r>
+            <a:r>
+              <a:rPr lang="en-US" altLang="ko-KR"/>
+              <a:t>: 6</a:t>
+            </a:r>
+            <a:endParaRPr lang="en-US" altLang="ko-KR" dirty="0"/>
+          </a:p>
+          <a:p>
+            <a:r>
+              <a:rPr lang="ko-KR" altLang="en-US" dirty="0"/>
+              <a:t>입력</a:t>
             </a:r>
             <a:r>
               <a:rPr lang="en-US" altLang="ko-KR" dirty="0"/>
-              <a:t>.</a:t>
-            </a:r>
-          </a:p>
-          <a:p>
-            <a:endParaRPr lang="en-US" altLang="ko-KR" dirty="0"/>
-          </a:p>
-          <a:p>
+              <a:t>: </a:t>
+            </a:r>
+            <a:r>
+              <a:rPr lang="en-US" altLang="ko-KR" dirty="0" err="1"/>
+              <a:t>abcde</a:t>
+            </a:r>
+            <a:r>
+              <a:rPr lang="en-US" altLang="ko-KR" dirty="0"/>
+              <a:t> bead </a:t>
+            </a:r>
+            <a:r>
+              <a:rPr lang="ko-KR" altLang="en-US" dirty="0"/>
+              <a:t>출력</a:t>
+            </a:r>
+            <a:r>
+              <a:rPr lang="en-US" altLang="ko-KR" dirty="0"/>
+              <a:t>: 10</a:t>
+            </a:r>
+          </a:p>
+          <a:p>
+            <a:r>
+              <a:rPr lang="ko-KR" altLang="en-US" dirty="0"/>
+              <a:t>입력</a:t>
+            </a:r>
+            <a:r>
+              <a:rPr lang="en-US" altLang="ko-KR" dirty="0"/>
+              <a:t>: </a:t>
+            </a:r>
+            <a:r>
+              <a:rPr lang="en-US" altLang="ko-KR" dirty="0" err="1"/>
+              <a:t>abcdefghi</a:t>
+            </a:r>
+            <a:r>
+              <a:rPr lang="en-US" altLang="ko-KR" dirty="0"/>
+              <a:t> </a:t>
+            </a:r>
+            <a:r>
+              <a:rPr lang="en-US" altLang="ko-KR" dirty="0" err="1"/>
+              <a:t>aiai</a:t>
+            </a:r>
+            <a:r>
+              <a:rPr lang="en-US" altLang="ko-KR" dirty="0"/>
+              <a:t> </a:t>
+            </a:r>
+            <a:r>
+              <a:rPr lang="ko-KR" altLang="en-US" dirty="0"/>
+              <a:t>출력</a:t>
+            </a:r>
+            <a:r>
+              <a:rPr lang="en-US" altLang="ko-KR" dirty="0"/>
+              <a:t>: 7</a:t>
+            </a:r>
+          </a:p>
+          <a:p>
+            <a:r>
+              <a:rPr lang="ko-KR" altLang="en-US" dirty="0"/>
+              <a:t>입력</a:t>
+            </a:r>
+            <a:r>
+              <a:rPr lang="en-US" altLang="ko-KR" dirty="0"/>
+              <a:t>: </a:t>
+            </a:r>
+            <a:r>
+              <a:rPr lang="en-US" altLang="ko-KR" dirty="0" err="1"/>
+              <a:t>abdefzHik</a:t>
+            </a:r>
+            <a:r>
+              <a:rPr lang="en-US" altLang="ko-KR" dirty="0"/>
+              <a:t> </a:t>
+            </a:r>
+            <a:r>
+              <a:rPr lang="en-US" altLang="ko-KR" dirty="0" err="1"/>
+              <a:t>aHfbz</a:t>
+            </a:r>
+            <a:r>
+              <a:rPr lang="en-US" altLang="ko-KR" dirty="0"/>
+              <a:t> </a:t>
+            </a:r>
+            <a:r>
+              <a:rPr lang="ko-KR" altLang="en-US" dirty="0"/>
+              <a:t>출력</a:t>
+            </a:r>
+            <a:r>
+              <a:rPr lang="en-US" altLang="ko-KR" dirty="0"/>
+              <a:t>: 17</a:t>
+            </a:r>
+          </a:p>
+          <a:p>
+            <a:pPr lvl="1"/>
             <a:endParaRPr lang="en-US" altLang="ko-KR" dirty="0"/>
           </a:p>
           <a:p>
@@ -8475,7 +8566,7 @@
     </p:spTree>
     <p:extLst>
       <p:ext uri="{BB962C8B-B14F-4D97-AF65-F5344CB8AC3E}">
-        <p14:creationId xmlns:p14="http://schemas.microsoft.com/office/powerpoint/2010/main" val="3753898316"/>
+        <p14:creationId xmlns:p14="http://schemas.microsoft.com/office/powerpoint/2010/main" val="1788496001"/>
       </p:ext>
     </p:extLst>
   </p:cSld>
@@ -8507,7 +8598,7 @@
           <p:cNvPr id="4" name="그룹 3">
             <a:extLst>
               <a:ext uri="{FF2B5EF4-FFF2-40B4-BE49-F238E27FC236}">
-                <a16:creationId xmlns:a16="http://schemas.microsoft.com/office/drawing/2014/main" id="{4D539185-373F-4765-82A9-786CAC763FC2}"/>
+                <a16:creationId xmlns:a16="http://schemas.microsoft.com/office/drawing/2014/main" id="{F7AC7D33-AC95-4E36-A138-0A133C71FE2D}"/>
               </a:ext>
             </a:extLst>
           </p:cNvPr>
@@ -8527,7 +8618,7 @@
             <p:cNvPr id="5" name="직사각형 4">
               <a:extLst>
                 <a:ext uri="{FF2B5EF4-FFF2-40B4-BE49-F238E27FC236}">
-                  <a16:creationId xmlns:a16="http://schemas.microsoft.com/office/drawing/2014/main" id="{D77CAB00-5C84-484B-B553-9FEB1D2963F2}"/>
+                  <a16:creationId xmlns:a16="http://schemas.microsoft.com/office/drawing/2014/main" id="{DBACD175-6309-4641-843A-0664DE81DE0A}"/>
                 </a:ext>
               </a:extLst>
             </p:cNvPr>
@@ -8581,7 +8672,7 @@
             <p:cNvPr id="6" name="사각형: 둥근 모서리 5">
               <a:extLst>
                 <a:ext uri="{FF2B5EF4-FFF2-40B4-BE49-F238E27FC236}">
-                  <a16:creationId xmlns:a16="http://schemas.microsoft.com/office/drawing/2014/main" id="{4B3FF489-DD39-4813-B459-CEE8786FBC41}"/>
+                  <a16:creationId xmlns:a16="http://schemas.microsoft.com/office/drawing/2014/main" id="{C32A13DC-3C0D-476F-9DC9-A75BC92FCB71}"/>
                 </a:ext>
               </a:extLst>
             </p:cNvPr>
@@ -8647,7 +8738,7 @@
             <p:cNvPr id="7" name="사각형: 둥근 모서리 6">
               <a:extLst>
                 <a:ext uri="{FF2B5EF4-FFF2-40B4-BE49-F238E27FC236}">
-                  <a16:creationId xmlns:a16="http://schemas.microsoft.com/office/drawing/2014/main" id="{D2C2FAE7-8712-493D-AEBA-9866EDD85722}"/>
+                  <a16:creationId xmlns:a16="http://schemas.microsoft.com/office/drawing/2014/main" id="{91A7810B-81FA-4286-A733-59B41281B98B}"/>
                 </a:ext>
               </a:extLst>
             </p:cNvPr>
@@ -8656,7 +8747,7 @@
           </p:nvSpPr>
           <p:spPr>
             <a:xfrm>
-              <a:off x="203200" y="2926080"/>
+              <a:off x="203200" y="289560"/>
               <a:ext cx="11823700" cy="1069340"/>
             </a:xfrm>
             <a:prstGeom prst="roundRect">
@@ -8698,16 +8789,92 @@
               <a:pPr algn="ctr"/>
               <a:r>
                 <a:rPr lang="ko-KR" altLang="en-US" sz="4000" dirty="0"/>
-                <a:t>감사합니다</a:t>
+                <a:t>알고리즘 예시</a:t>
               </a:r>
             </a:p>
           </p:txBody>
         </p:sp>
       </p:grpSp>
+      <p:sp>
+        <p:nvSpPr>
+          <p:cNvPr id="3" name="내용 개체 틀 2">
+            <a:extLst>
+              <a:ext uri="{FF2B5EF4-FFF2-40B4-BE49-F238E27FC236}">
+                <a16:creationId xmlns:a16="http://schemas.microsoft.com/office/drawing/2014/main" id="{7EC86DC7-5885-4D9E-8BAD-EECDD36C5ED8}"/>
+              </a:ext>
+            </a:extLst>
+          </p:cNvPr>
+          <p:cNvSpPr>
+            <a:spLocks noGrp="1"/>
+          </p:cNvSpPr>
+          <p:nvPr>
+            <p:ph idx="1"/>
+          </p:nvPr>
+        </p:nvSpPr>
+        <p:spPr/>
+        <p:txBody>
+          <a:bodyPr/>
+          <a:lstStyle/>
+          <a:p>
+            <a:r>
+              <a:rPr lang="ko-KR" altLang="en-US" dirty="0"/>
+              <a:t>문제풀이</a:t>
+            </a:r>
+            <a:r>
+              <a:rPr lang="en-US" altLang="ko-KR" dirty="0"/>
+              <a:t>: </a:t>
+            </a:r>
+            <a:r>
+              <a:rPr lang="en-US" altLang="ko-KR" dirty="0">
+                <a:hlinkClick r:id="rId2"/>
+              </a:rPr>
+              <a:t>https://github.com/2021-2Tutoring/Algorithms</a:t>
+            </a:r>
+            <a:r>
+              <a:rPr lang="en-US" altLang="ko-KR" dirty="0"/>
+              <a:t> </a:t>
+            </a:r>
+            <a:r>
+              <a:rPr lang="ko-KR" altLang="en-US" dirty="0"/>
+              <a:t>의 </a:t>
+            </a:r>
+            <a:r>
+              <a:rPr lang="en-US" altLang="ko-KR" dirty="0"/>
+              <a:t>1111</a:t>
+            </a:r>
+            <a:r>
+              <a:rPr lang="ko-KR" altLang="en-US" dirty="0"/>
+              <a:t>폴더안에 소스코드</a:t>
+            </a:r>
+            <a:r>
+              <a:rPr lang="en-US" altLang="ko-KR" dirty="0"/>
+              <a:t> </a:t>
+            </a:r>
+            <a:r>
+              <a:rPr lang="ko-KR" altLang="en-US" dirty="0"/>
+              <a:t>제출</a:t>
+            </a:r>
+            <a:r>
+              <a:rPr lang="en-US" altLang="ko-KR" dirty="0"/>
+              <a:t>.</a:t>
+            </a:r>
+          </a:p>
+          <a:p>
+            <a:endParaRPr lang="en-US" altLang="ko-KR" dirty="0"/>
+          </a:p>
+          <a:p>
+            <a:endParaRPr lang="en-US" altLang="ko-KR" dirty="0"/>
+          </a:p>
+          <a:p>
+            <a:pPr lvl="1"/>
+            <a:endParaRPr lang="ko-KR" altLang="en-US" dirty="0"/>
+          </a:p>
+        </p:txBody>
+      </p:sp>
     </p:spTree>
     <p:extLst>
       <p:ext uri="{BB962C8B-B14F-4D97-AF65-F5344CB8AC3E}">
-        <p14:creationId xmlns:p14="http://schemas.microsoft.com/office/powerpoint/2010/main" val="917006807"/>
+        <p14:creationId xmlns:p14="http://schemas.microsoft.com/office/powerpoint/2010/main" val="3753898316"/>
       </p:ext>
     </p:extLst>
   </p:cSld>
@@ -9050,6 +9217,238 @@
     <p:extLst>
       <p:ext uri="{BB962C8B-B14F-4D97-AF65-F5344CB8AC3E}">
         <p14:creationId xmlns:p14="http://schemas.microsoft.com/office/powerpoint/2010/main" val="468547674"/>
+      </p:ext>
+    </p:extLst>
+  </p:cSld>
+  <p:clrMapOvr>
+    <a:masterClrMapping/>
+  </p:clrMapOvr>
+</p:sld>
+</file>
+
+<file path=ppt/slides/slide20.xml><?xml version="1.0" encoding="utf-8"?>
+<p:sld xmlns:a="http://schemas.openxmlformats.org/drawingml/2006/main" xmlns:r="http://schemas.openxmlformats.org/officeDocument/2006/relationships" xmlns:p="http://schemas.openxmlformats.org/presentationml/2006/main">
+  <p:cSld>
+    <p:spTree>
+      <p:nvGrpSpPr>
+        <p:cNvPr id="1" name=""/>
+        <p:cNvGrpSpPr/>
+        <p:nvPr/>
+      </p:nvGrpSpPr>
+      <p:grpSpPr>
+        <a:xfrm>
+          <a:off x="0" y="0"/>
+          <a:ext cx="0" cy="0"/>
+          <a:chOff x="0" y="0"/>
+          <a:chExt cx="0" cy="0"/>
+        </a:xfrm>
+      </p:grpSpPr>
+      <p:grpSp>
+        <p:nvGrpSpPr>
+          <p:cNvPr id="4" name="그룹 3">
+            <a:extLst>
+              <a:ext uri="{FF2B5EF4-FFF2-40B4-BE49-F238E27FC236}">
+                <a16:creationId xmlns:a16="http://schemas.microsoft.com/office/drawing/2014/main" id="{4D539185-373F-4765-82A9-786CAC763FC2}"/>
+              </a:ext>
+            </a:extLst>
+          </p:cNvPr>
+          <p:cNvGrpSpPr/>
+          <p:nvPr/>
+        </p:nvGrpSpPr>
+        <p:grpSpPr>
+          <a:xfrm>
+            <a:off x="0" y="0"/>
+            <a:ext cx="12192000" cy="6858000"/>
+            <a:chOff x="0" y="0"/>
+            <a:chExt cx="12192000" cy="6858000"/>
+          </a:xfrm>
+        </p:grpSpPr>
+        <p:sp>
+          <p:nvSpPr>
+            <p:cNvPr id="5" name="직사각형 4">
+              <a:extLst>
+                <a:ext uri="{FF2B5EF4-FFF2-40B4-BE49-F238E27FC236}">
+                  <a16:creationId xmlns:a16="http://schemas.microsoft.com/office/drawing/2014/main" id="{D77CAB00-5C84-484B-B553-9FEB1D2963F2}"/>
+                </a:ext>
+              </a:extLst>
+            </p:cNvPr>
+            <p:cNvSpPr/>
+            <p:nvPr/>
+          </p:nvSpPr>
+          <p:spPr>
+            <a:xfrm>
+              <a:off x="0" y="0"/>
+              <a:ext cx="12192000" cy="6858000"/>
+            </a:xfrm>
+            <a:prstGeom prst="rect">
+              <a:avLst/>
+            </a:prstGeom>
+            <a:solidFill>
+              <a:srgbClr val="D4EAE8"/>
+            </a:solidFill>
+            <a:ln>
+              <a:solidFill>
+                <a:srgbClr val="D4EAE8"/>
+              </a:solidFill>
+            </a:ln>
+          </p:spPr>
+          <p:style>
+            <a:lnRef idx="2">
+              <a:schemeClr val="accent1">
+                <a:shade val="50000"/>
+              </a:schemeClr>
+            </a:lnRef>
+            <a:fillRef idx="1">
+              <a:schemeClr val="accent1"/>
+            </a:fillRef>
+            <a:effectRef idx="0">
+              <a:schemeClr val="accent1"/>
+            </a:effectRef>
+            <a:fontRef idx="minor">
+              <a:schemeClr val="lt1"/>
+            </a:fontRef>
+          </p:style>
+          <p:txBody>
+            <a:bodyPr rtlCol="0" anchor="ctr"/>
+            <a:lstStyle/>
+            <a:p>
+              <a:pPr algn="ctr"/>
+              <a:endParaRPr lang="ko-KR" altLang="en-US"/>
+            </a:p>
+          </p:txBody>
+        </p:sp>
+        <p:sp>
+          <p:nvSpPr>
+            <p:cNvPr id="6" name="사각형: 둥근 모서리 5">
+              <a:extLst>
+                <a:ext uri="{FF2B5EF4-FFF2-40B4-BE49-F238E27FC236}">
+                  <a16:creationId xmlns:a16="http://schemas.microsoft.com/office/drawing/2014/main" id="{4B3FF489-DD39-4813-B459-CEE8786FBC41}"/>
+                </a:ext>
+              </a:extLst>
+            </p:cNvPr>
+            <p:cNvSpPr/>
+            <p:nvPr/>
+          </p:nvSpPr>
+          <p:spPr>
+            <a:xfrm>
+              <a:off x="165100" y="241300"/>
+              <a:ext cx="11836400" cy="6438900"/>
+            </a:xfrm>
+            <a:prstGeom prst="roundRect">
+              <a:avLst>
+                <a:gd name="adj" fmla="val 4833"/>
+              </a:avLst>
+            </a:prstGeom>
+            <a:ln>
+              <a:solidFill>
+                <a:schemeClr val="bg1"/>
+              </a:solidFill>
+            </a:ln>
+            <a:effectLst>
+              <a:outerShdw blurRad="292100" dist="38100" dir="5400000" algn="t" rotWithShape="0">
+                <a:srgbClr val="18CACA">
+                  <a:alpha val="20000"/>
+                </a:srgbClr>
+              </a:outerShdw>
+            </a:effectLst>
+          </p:spPr>
+          <p:style>
+            <a:lnRef idx="2">
+              <a:schemeClr val="dk1"/>
+            </a:lnRef>
+            <a:fillRef idx="1">
+              <a:schemeClr val="lt1"/>
+            </a:fillRef>
+            <a:effectRef idx="0">
+              <a:schemeClr val="dk1"/>
+            </a:effectRef>
+            <a:fontRef idx="minor">
+              <a:schemeClr val="dk1"/>
+            </a:fontRef>
+          </p:style>
+          <p:txBody>
+            <a:bodyPr rtlCol="0" anchor="ctr"/>
+            <a:lstStyle/>
+            <a:p>
+              <a:pPr algn="ctr"/>
+              <a:endParaRPr lang="en-US" altLang="ko-KR" dirty="0"/>
+            </a:p>
+            <a:p>
+              <a:pPr algn="ctr"/>
+              <a:endParaRPr lang="en-US" altLang="ko-KR" dirty="0"/>
+            </a:p>
+            <a:p>
+              <a:pPr algn="ctr"/>
+              <a:endParaRPr lang="en-US" altLang="ko-KR" dirty="0"/>
+            </a:p>
+          </p:txBody>
+        </p:sp>
+        <p:sp>
+          <p:nvSpPr>
+            <p:cNvPr id="7" name="사각형: 둥근 모서리 6">
+              <a:extLst>
+                <a:ext uri="{FF2B5EF4-FFF2-40B4-BE49-F238E27FC236}">
+                  <a16:creationId xmlns:a16="http://schemas.microsoft.com/office/drawing/2014/main" id="{D2C2FAE7-8712-493D-AEBA-9866EDD85722}"/>
+                </a:ext>
+              </a:extLst>
+            </p:cNvPr>
+            <p:cNvSpPr/>
+            <p:nvPr/>
+          </p:nvSpPr>
+          <p:spPr>
+            <a:xfrm>
+              <a:off x="203200" y="2926080"/>
+              <a:ext cx="11823700" cy="1069340"/>
+            </a:xfrm>
+            <a:prstGeom prst="roundRect">
+              <a:avLst>
+                <a:gd name="adj" fmla="val 22953"/>
+              </a:avLst>
+            </a:prstGeom>
+            <a:ln>
+              <a:solidFill>
+                <a:schemeClr val="bg1"/>
+              </a:solidFill>
+            </a:ln>
+            <a:effectLst>
+              <a:outerShdw blurRad="292100" dist="38100" dir="5400000" algn="t" rotWithShape="0">
+                <a:srgbClr val="18CACA">
+                  <a:alpha val="20000"/>
+                </a:srgbClr>
+              </a:outerShdw>
+            </a:effectLst>
+          </p:spPr>
+          <p:style>
+            <a:lnRef idx="2">
+              <a:schemeClr val="dk1"/>
+            </a:lnRef>
+            <a:fillRef idx="1">
+              <a:schemeClr val="lt1"/>
+            </a:fillRef>
+            <a:effectRef idx="0">
+              <a:schemeClr val="dk1"/>
+            </a:effectRef>
+            <a:fontRef idx="minor">
+              <a:schemeClr val="dk1"/>
+            </a:fontRef>
+          </p:style>
+          <p:txBody>
+            <a:bodyPr rtlCol="0" anchor="ctr"/>
+            <a:lstStyle/>
+            <a:p>
+              <a:pPr algn="ctr"/>
+              <a:r>
+                <a:rPr lang="ko-KR" altLang="en-US" sz="4000" dirty="0"/>
+                <a:t>감사합니다</a:t>
+              </a:r>
+            </a:p>
+          </p:txBody>
+        </p:sp>
+      </p:grpSp>
+    </p:spTree>
+    <p:extLst>
+      <p:ext uri="{BB962C8B-B14F-4D97-AF65-F5344CB8AC3E}">
+        <p14:creationId xmlns:p14="http://schemas.microsoft.com/office/powerpoint/2010/main" val="917006807"/>
       </p:ext>
     </p:extLst>
   </p:cSld>
@@ -12338,15 +12737,6 @@
 </file>
 
 <file path=customXml/item1.xml><?xml version="1.0" encoding="utf-8"?>
-<?mso-contentType ?>
-<FormTemplates xmlns="http://schemas.microsoft.com/sharepoint/v3/contenttype/forms">
-  <Display>DocumentLibraryForm</Display>
-  <Edit>DocumentLibraryForm</Edit>
-  <New>DocumentLibraryForm</New>
-</FormTemplates>
-</file>
-
-<file path=customXml/item2.xml><?xml version="1.0" encoding="utf-8"?>
 <ct:contentTypeSchema xmlns:ct="http://schemas.microsoft.com/office/2006/metadata/contentType" xmlns:ma="http://schemas.microsoft.com/office/2006/metadata/properties/metaAttributes" ct:_="" ma:_="" ma:contentTypeName="문서" ma:contentTypeID="0x01010021C4CA1FA3EFFE4EB1E531D84330591C" ma:contentTypeVersion="4" ma:contentTypeDescription="새 문서를 만듭니다." ma:contentTypeScope="" ma:versionID="04c469147f2084283ab391ffc97a2a6a">
   <xsd:schema xmlns:xsd="http://www.w3.org/2001/XMLSchema" xmlns:xs="http://www.w3.org/2001/XMLSchema" xmlns:p="http://schemas.microsoft.com/office/2006/metadata/properties" xmlns:ns3="3c22e8e8-73b2-4140-9ebf-9978805fa011" targetNamespace="http://schemas.microsoft.com/office/2006/metadata/properties" ma:root="true" ma:fieldsID="4bf881c7b2d5333d5277b8753c3b448e" ns3:_="">
     <xsd:import namespace="3c22e8e8-73b2-4140-9ebf-9978805fa011"/>
@@ -12492,6 +12882,15 @@
 </ct:contentTypeSchema>
 </file>
 
+<file path=customXml/item2.xml><?xml version="1.0" encoding="utf-8"?>
+<?mso-contentType ?>
+<FormTemplates xmlns="http://schemas.microsoft.com/sharepoint/v3/contenttype/forms">
+  <Display>DocumentLibraryForm</Display>
+  <Edit>DocumentLibraryForm</Edit>
+  <New>DocumentLibraryForm</New>
+</FormTemplates>
+</file>
+
 <file path=customXml/item3.xml><?xml version="1.0" encoding="utf-8"?>
 <p:properties xmlns:p="http://schemas.microsoft.com/office/2006/metadata/properties" xmlns:xsi="http://www.w3.org/2001/XMLSchema-instance" xmlns:pc="http://schemas.microsoft.com/office/infopath/2007/PartnerControls">
   <documentManagement/>
@@ -12499,14 +12898,6 @@
 </file>
 
 <file path=customXml/itemProps1.xml><?xml version="1.0" encoding="utf-8"?>
-<ds:datastoreItem xmlns:ds="http://schemas.openxmlformats.org/officeDocument/2006/customXml" ds:itemID="{11C4C237-C122-470E-8B07-461889ED610F}">
-  <ds:schemaRefs>
-    <ds:schemaRef ds:uri="http://schemas.microsoft.com/sharepoint/v3/contenttype/forms"/>
-  </ds:schemaRefs>
-</ds:datastoreItem>
-</file>
-
-<file path=customXml/itemProps2.xml><?xml version="1.0" encoding="utf-8"?>
 <ds:datastoreItem xmlns:ds="http://schemas.openxmlformats.org/officeDocument/2006/customXml" ds:itemID="{8DDC52AC-C0E6-4345-8F7E-3EF81BED03FC}">
   <ds:schemaRefs>
     <ds:schemaRef ds:uri="http://schemas.microsoft.com/office/2006/metadata/contentType"/>
@@ -12520,6 +12911,14 @@
     <ds:schemaRef ds:uri="http://purl.org/dc/elements/1.1/"/>
     <ds:schemaRef ds:uri="http://purl.org/dc/terms/"/>
     <ds:schemaRef ds:uri="http://schemas.microsoft.com/internal/obd"/>
+  </ds:schemaRefs>
+</ds:datastoreItem>
+</file>
+
+<file path=customXml/itemProps2.xml><?xml version="1.0" encoding="utf-8"?>
+<ds:datastoreItem xmlns:ds="http://schemas.openxmlformats.org/officeDocument/2006/customXml" ds:itemID="{11C4C237-C122-470E-8B07-461889ED610F}">
+  <ds:schemaRefs>
+    <ds:schemaRef ds:uri="http://schemas.microsoft.com/sharepoint/v3/contenttype/forms"/>
   </ds:schemaRefs>
 </ds:datastoreItem>
 </file>
